--- a/DSMP1.1.0业务分享 .pptx
+++ b/DSMP1.1.0业务分享 .pptx
@@ -6091,7 +6091,7 @@
                 <a:latin typeface="黑体" panose="02010609060101010101" charset="-122"/>
                 <a:ea typeface="黑体" panose="02010609060101010101" charset="-122"/>
               </a:rPr>
-              <a:t>23</a:t>
+              <a:t>25</a:t>
             </a:r>
             <a:r>
               <a:rPr kumimoji="1" lang="zh-CN" altLang="en-US" sz="2000" b="1" dirty="0">
@@ -6228,7 +6228,7 @@
         </p:nvGrpSpPr>
         <p:grpSpPr>
           <a:xfrm>
-            <a:off x="4940300" y="1756857"/>
+            <a:off x="4941570" y="1756857"/>
             <a:ext cx="3028950" cy="4530482"/>
             <a:chOff x="12403" y="3659"/>
             <a:chExt cx="4115" cy="6594"/>
@@ -6262,6 +6262,9 @@
               <a:prstGeom prst="rect">
                 <a:avLst/>
               </a:prstGeom>
+              <a:solidFill>
+                <a:srgbClr val="FF0000"/>
+              </a:solidFill>
             </p:spPr>
             <p:style>
               <a:lnRef idx="2">
@@ -7996,6 +7999,9 @@
               <a:prstGeom prst="rect">
                 <a:avLst/>
               </a:prstGeom>
+              <a:solidFill>
+                <a:srgbClr val="FF0000"/>
+              </a:solidFill>
             </p:spPr>
             <p:style>
               <a:lnRef idx="2">
@@ -9910,8 +9916,8 @@
         </p:nvCxnSpPr>
         <p:spPr>
           <a:xfrm flipH="1">
-            <a:off x="1752600" y="4472940"/>
-            <a:ext cx="889635" cy="432435"/>
+            <a:off x="1752600" y="3131185"/>
+            <a:ext cx="889635" cy="1774190"/>
           </a:xfrm>
           <a:prstGeom prst="straightConnector1">
             <a:avLst/>
@@ -9941,15 +9947,13 @@
       <p:cxnSp>
         <p:nvCxnSpPr>
           <p:cNvPr id="66" name="直接箭头连接符 65"/>
-          <p:cNvCxnSpPr>
-            <a:stCxn id="16" idx="1"/>
-          </p:cNvCxnSpPr>
+          <p:cNvCxnSpPr/>
           <p:nvPr/>
         </p:nvCxnSpPr>
         <p:spPr>
-          <a:xfrm flipH="1" flipV="1">
-            <a:off x="1948180" y="3239770"/>
-            <a:ext cx="694055" cy="1097280"/>
+          <a:xfrm flipH="1">
+            <a:off x="1948180" y="2971800"/>
+            <a:ext cx="694055" cy="267970"/>
           </a:xfrm>
           <a:prstGeom prst="straightConnector1">
             <a:avLst/>
@@ -9981,8 +9985,8 @@
         </p:nvCxnSpPr>
         <p:spPr>
           <a:xfrm flipH="1" flipV="1">
-            <a:off x="4259580" y="4472940"/>
-            <a:ext cx="569595" cy="1264920"/>
+            <a:off x="3600450" y="2971800"/>
+            <a:ext cx="1228725" cy="2766060"/>
           </a:xfrm>
           <a:prstGeom prst="straightConnector1">
             <a:avLst/>
@@ -10018,7 +10022,7 @@
         <p:spPr>
           <a:xfrm flipH="1" flipV="1">
             <a:off x="10259695" y="3131185"/>
-            <a:ext cx="161290" cy="2813050"/>
+            <a:ext cx="161290" cy="3115945"/>
           </a:xfrm>
           <a:prstGeom prst="straightConnector1">
             <a:avLst/>
@@ -10577,6 +10581,9 @@
             <a:prstGeom prst="rect">
               <a:avLst/>
             </a:prstGeom>
+            <a:solidFill>
+              <a:srgbClr val="FF0000"/>
+            </a:solidFill>
           </p:spPr>
           <p:style>
             <a:lnRef idx="2">
@@ -12525,6 +12532,71 @@
           </a:fontRef>
         </p:style>
       </p:cxnSp>
+      <p:sp>
+        <p:nvSpPr>
+          <p:cNvPr id="2" name="文本框 1"/>
+          <p:cNvSpPr txBox="1"/>
+          <p:nvPr/>
+        </p:nvSpPr>
+        <p:spPr>
+          <a:xfrm>
+            <a:off x="4102735" y="1000760"/>
+            <a:ext cx="3985895" cy="368300"/>
+          </a:xfrm>
+          <a:prstGeom prst="rect">
+            <a:avLst/>
+          </a:prstGeom>
+          <a:noFill/>
+        </p:spPr>
+        <p:txBody>
+          <a:bodyPr wrap="square" rtlCol="0">
+            <a:spAutoFit/>
+          </a:bodyPr>
+          <a:p>
+            <a:r>
+              <a:rPr lang="en-US" altLang="zh-CN"/>
+              <a:t>unique_id: ns|language|name|version</a:t>
+            </a:r>
+            <a:endParaRPr lang="en-US" altLang="zh-CN"/>
+          </a:p>
+        </p:txBody>
+      </p:sp>
+      <p:cxnSp>
+        <p:nvCxnSpPr>
+          <p:cNvPr id="3" name="直接箭头连接符 2"/>
+          <p:cNvCxnSpPr/>
+          <p:nvPr/>
+        </p:nvCxnSpPr>
+        <p:spPr>
+          <a:xfrm flipV="1">
+            <a:off x="3434080" y="2660015"/>
+            <a:ext cx="599440" cy="1567815"/>
+          </a:xfrm>
+          <a:prstGeom prst="straightConnector1">
+            <a:avLst/>
+          </a:prstGeom>
+          <a:ln w="22225">
+            <a:solidFill>
+              <a:srgbClr val="C00000"/>
+            </a:solidFill>
+            <a:tailEnd type="arrow"/>
+          </a:ln>
+        </p:spPr>
+        <p:style>
+          <a:lnRef idx="1">
+            <a:schemeClr val="accent1"/>
+          </a:lnRef>
+          <a:fillRef idx="0">
+            <a:schemeClr val="accent1"/>
+          </a:fillRef>
+          <a:effectRef idx="0">
+            <a:schemeClr val="accent1"/>
+          </a:effectRef>
+          <a:fontRef idx="minor">
+            <a:schemeClr val="tx1"/>
+          </a:fontRef>
+        </p:style>
+      </p:cxnSp>
     </p:spTree>
   </p:cSld>
   <p:clrMapOvr>
@@ -12752,7 +12824,7 @@
             <a:pPr algn="l"/>
             <a:r>
               <a:rPr lang="en-US" altLang="zh-CN" sz="2800"/>
-              <a:t>	</a:t>
+              <a:t>	   </a:t>
             </a:r>
             <a:r>
               <a:rPr lang="en-US" altLang="zh-CN" sz="2000"/>
@@ -12780,7 +12852,7 @@
             <a:pPr algn="l"/>
             <a:r>
               <a:rPr lang="en-US" altLang="zh-CN" sz="2000"/>
-              <a:t>	1.</a:t>
+              <a:t>	    1.</a:t>
             </a:r>
             <a:r>
               <a:rPr lang="zh-CN" altLang="en-US" sz="2000"/>
@@ -12792,7 +12864,7 @@
             <a:pPr algn="l"/>
             <a:r>
               <a:rPr lang="en-US" altLang="zh-CN" sz="2000"/>
-              <a:t>	2.</a:t>
+              <a:t>	    2.</a:t>
             </a:r>
             <a:r>
               <a:rPr lang="zh-CN" altLang="en-US" sz="2000"/>
@@ -12816,7 +12888,7 @@
             <a:pPr algn="l"/>
             <a:r>
               <a:rPr lang="en-US" altLang="zh-CN" sz="2800"/>
-              <a:t>	</a:t>
+              <a:t>	   </a:t>
             </a:r>
             <a:r>
               <a:rPr lang="en-US" altLang="zh-CN" sz="2000"/>
@@ -12832,7 +12904,7 @@
             <a:pPr algn="l"/>
             <a:r>
               <a:rPr lang="en-US" altLang="zh-CN" sz="2000"/>
-              <a:t>	2.</a:t>
+              <a:t>	    2.</a:t>
             </a:r>
             <a:r>
               <a:rPr lang="zh-CN" altLang="en-US" sz="2000"/>
@@ -14135,7 +14207,7 @@
         </p:nvGrpSpPr>
         <p:grpSpPr>
           <a:xfrm>
-            <a:off x="7923530" y="2714625"/>
+            <a:off x="7687945" y="2717165"/>
             <a:ext cx="976630" cy="552450"/>
             <a:chOff x="12478" y="4275"/>
             <a:chExt cx="1538" cy="870"/>
@@ -14221,7 +14293,7 @@
         </p:nvGrpSpPr>
         <p:grpSpPr>
           <a:xfrm>
-            <a:off x="8730615" y="2713990"/>
+            <a:off x="8495030" y="2716530"/>
             <a:ext cx="977265" cy="553085"/>
             <a:chOff x="12478" y="4275"/>
             <a:chExt cx="1539" cy="871"/>
@@ -14307,7 +14379,7 @@
         </p:nvGrpSpPr>
         <p:grpSpPr>
           <a:xfrm>
-            <a:off x="9521825" y="2713990"/>
+            <a:off x="9286240" y="2716530"/>
             <a:ext cx="977265" cy="553085"/>
             <a:chOff x="12478" y="4275"/>
             <a:chExt cx="1539" cy="871"/>
@@ -14390,7 +14462,7 @@
         </p:nvGrpSpPr>
         <p:grpSpPr>
           <a:xfrm>
-            <a:off x="10323830" y="2713990"/>
+            <a:off x="10088245" y="2716530"/>
             <a:ext cx="977265" cy="553085"/>
             <a:chOff x="12478" y="4275"/>
             <a:chExt cx="1539" cy="871"/>
@@ -14482,7 +14554,7 @@
         </p:nvGrpSpPr>
         <p:grpSpPr>
           <a:xfrm>
-            <a:off x="11120120" y="2712085"/>
+            <a:off x="10884535" y="2714625"/>
             <a:ext cx="977265" cy="553085"/>
             <a:chOff x="12478" y="4275"/>
             <a:chExt cx="1539" cy="871"/>
@@ -14949,12 +15021,15 @@
         </p:nvSpPr>
         <p:spPr>
           <a:xfrm>
-            <a:off x="3383521" y="1582420"/>
+            <a:off x="3393046" y="1591945"/>
             <a:ext cx="714375" cy="528637"/>
           </a:xfrm>
           <a:prstGeom prst="roundRect">
             <a:avLst/>
           </a:prstGeom>
+          <a:solidFill>
+            <a:srgbClr val="FF0000"/>
+          </a:solidFill>
         </p:spPr>
         <p:style>
           <a:lnRef idx="2">
@@ -15714,8 +15789,8 @@
         </p:nvCxnSpPr>
         <p:spPr>
           <a:xfrm flipH="1" flipV="1">
-            <a:off x="3740709" y="2111057"/>
-            <a:ext cx="15191" cy="1092200"/>
+            <a:off x="3750185" y="2120582"/>
+            <a:ext cx="5715" cy="1082675"/>
           </a:xfrm>
           <a:prstGeom prst="straightConnector1">
             <a:avLst/>
@@ -16234,6 +16309,9 @@
           <a:prstGeom prst="roundRect">
             <a:avLst/>
           </a:prstGeom>
+          <a:solidFill>
+            <a:srgbClr val="FF0000"/>
+          </a:solidFill>
         </p:spPr>
         <p:style>
           <a:lnRef idx="2">
@@ -16884,6 +16962,9 @@
               <a:prstGeom prst="rect">
                 <a:avLst/>
               </a:prstGeom>
+              <a:solidFill>
+                <a:srgbClr val="FF0000"/>
+              </a:solidFill>
             </p:spPr>
             <p:style>
               <a:lnRef idx="2">
@@ -16917,7 +16998,7 @@
             </p:nvSpPr>
             <p:spPr>
               <a:xfrm>
-                <a:off x="14226" y="3384"/>
+                <a:off x="14226" y="3386"/>
                 <a:ext cx="2671" cy="410"/>
               </a:xfrm>
               <a:prstGeom prst="rect">
